--- a/HW/HW2/dag.pptx
+++ b/HW/HW2/dag.pptx
@@ -6,6 +6,7 @@
   </p:sldMasterIdLst>
   <p:sldIdLst>
     <p:sldId id="257" r:id="rId2"/>
+    <p:sldId id="259" r:id="rId3"/>
   </p:sldIdLst>
   <p:sldSz cx="12192000" cy="6858000"/>
   <p:notesSz cx="6858000" cy="9144000"/>
@@ -104,6 +105,11 @@
       </a:defRPr>
     </a:lvl9pPr>
   </p:defaultTextStyle>
+  <p:extLst>
+    <p:ext uri="{EFAFB233-063F-42B5-8137-9DF3F51BA10A}">
+      <p15:sldGuideLst xmlns:p15="http://schemas.microsoft.com/office/powerpoint/2012/main"/>
+    </p:ext>
+  </p:extLst>
 </p:presentation>
 </file>
 
@@ -254,7 +260,7 @@
           <a:p>
             <a:fld id="{FE288732-C61C-FD41-ADD0-EA17ED575F8F}" type="datetimeFigureOut">
               <a:rPr lang="en-US" smtClean="0"/>
-              <a:t>9/29/19</a:t>
+              <a:t>9/30/2019</a:t>
             </a:fld>
             <a:endParaRPr lang="en-US"/>
           </a:p>
@@ -452,7 +458,7 @@
           <a:p>
             <a:fld id="{FE288732-C61C-FD41-ADD0-EA17ED575F8F}" type="datetimeFigureOut">
               <a:rPr lang="en-US" smtClean="0"/>
-              <a:t>9/29/19</a:t>
+              <a:t>9/30/2019</a:t>
             </a:fld>
             <a:endParaRPr lang="en-US"/>
           </a:p>
@@ -660,7 +666,7 @@
           <a:p>
             <a:fld id="{FE288732-C61C-FD41-ADD0-EA17ED575F8F}" type="datetimeFigureOut">
               <a:rPr lang="en-US" smtClean="0"/>
-              <a:t>9/29/19</a:t>
+              <a:t>9/30/2019</a:t>
             </a:fld>
             <a:endParaRPr lang="en-US"/>
           </a:p>
@@ -858,7 +864,7 @@
           <a:p>
             <a:fld id="{FE288732-C61C-FD41-ADD0-EA17ED575F8F}" type="datetimeFigureOut">
               <a:rPr lang="en-US" smtClean="0"/>
-              <a:t>9/29/19</a:t>
+              <a:t>9/30/2019</a:t>
             </a:fld>
             <a:endParaRPr lang="en-US"/>
           </a:p>
@@ -1133,7 +1139,7 @@
           <a:p>
             <a:fld id="{FE288732-C61C-FD41-ADD0-EA17ED575F8F}" type="datetimeFigureOut">
               <a:rPr lang="en-US" smtClean="0"/>
-              <a:t>9/29/19</a:t>
+              <a:t>9/30/2019</a:t>
             </a:fld>
             <a:endParaRPr lang="en-US"/>
           </a:p>
@@ -1398,7 +1404,7 @@
           <a:p>
             <a:fld id="{FE288732-C61C-FD41-ADD0-EA17ED575F8F}" type="datetimeFigureOut">
               <a:rPr lang="en-US" smtClean="0"/>
-              <a:t>9/29/19</a:t>
+              <a:t>9/30/2019</a:t>
             </a:fld>
             <a:endParaRPr lang="en-US"/>
           </a:p>
@@ -1810,7 +1816,7 @@
           <a:p>
             <a:fld id="{FE288732-C61C-FD41-ADD0-EA17ED575F8F}" type="datetimeFigureOut">
               <a:rPr lang="en-US" smtClean="0"/>
-              <a:t>9/29/19</a:t>
+              <a:t>9/30/2019</a:t>
             </a:fld>
             <a:endParaRPr lang="en-US"/>
           </a:p>
@@ -1951,7 +1957,7 @@
           <a:p>
             <a:fld id="{FE288732-C61C-FD41-ADD0-EA17ED575F8F}" type="datetimeFigureOut">
               <a:rPr lang="en-US" smtClean="0"/>
-              <a:t>9/29/19</a:t>
+              <a:t>9/30/2019</a:t>
             </a:fld>
             <a:endParaRPr lang="en-US"/>
           </a:p>
@@ -2064,7 +2070,7 @@
           <a:p>
             <a:fld id="{FE288732-C61C-FD41-ADD0-EA17ED575F8F}" type="datetimeFigureOut">
               <a:rPr lang="en-US" smtClean="0"/>
-              <a:t>9/29/19</a:t>
+              <a:t>9/30/2019</a:t>
             </a:fld>
             <a:endParaRPr lang="en-US"/>
           </a:p>
@@ -2375,7 +2381,7 @@
           <a:p>
             <a:fld id="{FE288732-C61C-FD41-ADD0-EA17ED575F8F}" type="datetimeFigureOut">
               <a:rPr lang="en-US" smtClean="0"/>
-              <a:t>9/29/19</a:t>
+              <a:t>9/30/2019</a:t>
             </a:fld>
             <a:endParaRPr lang="en-US"/>
           </a:p>
@@ -2663,7 +2669,7 @@
           <a:p>
             <a:fld id="{FE288732-C61C-FD41-ADD0-EA17ED575F8F}" type="datetimeFigureOut">
               <a:rPr lang="en-US" smtClean="0"/>
-              <a:t>9/29/19</a:t>
+              <a:t>9/30/2019</a:t>
             </a:fld>
             <a:endParaRPr lang="en-US"/>
           </a:p>
@@ -2904,7 +2910,7 @@
           <a:p>
             <a:fld id="{FE288732-C61C-FD41-ADD0-EA17ED575F8F}" type="datetimeFigureOut">
               <a:rPr lang="en-US" smtClean="0"/>
-              <a:t>9/29/19</a:t>
+              <a:t>9/30/2019</a:t>
             </a:fld>
             <a:endParaRPr lang="en-US"/>
           </a:p>
@@ -3404,6 +3410,1122 @@
           </a:p>
         </p:txBody>
       </p:sp>
+      <mc:AlternateContent xmlns:mc="http://schemas.openxmlformats.org/markup-compatibility/2006" xmlns:a14="http://schemas.microsoft.com/office/drawing/2010/main">
+        <mc:Choice Requires="a14">
+          <p:sp>
+            <p:nvSpPr>
+              <p:cNvPr id="5" name="Oval 4">
+                <a:extLst>
+                  <a:ext uri="{FF2B5EF4-FFF2-40B4-BE49-F238E27FC236}">
+                    <a16:creationId xmlns:a16="http://schemas.microsoft.com/office/drawing/2014/main" id="{5C081015-BF81-C140-81F8-E3A63977E2DF}"/>
+                  </a:ext>
+                </a:extLst>
+              </p:cNvPr>
+              <p:cNvSpPr/>
+              <p:nvPr/>
+            </p:nvSpPr>
+            <p:spPr>
+              <a:xfrm>
+                <a:off x="5990648" y="4105735"/>
+                <a:ext cx="1142558" cy="1174132"/>
+              </a:xfrm>
+              <a:prstGeom prst="ellipse">
+                <a:avLst/>
+              </a:prstGeom>
+              <a:solidFill>
+                <a:schemeClr val="bg2"/>
+              </a:solidFill>
+              <a:ln>
+                <a:solidFill>
+                  <a:schemeClr val="bg2">
+                    <a:lumMod val="90000"/>
+                  </a:schemeClr>
+                </a:solidFill>
+              </a:ln>
+            </p:spPr>
+            <p:style>
+              <a:lnRef idx="2">
+                <a:schemeClr val="accent1">
+                  <a:shade val="50000"/>
+                </a:schemeClr>
+              </a:lnRef>
+              <a:fillRef idx="1">
+                <a:schemeClr val="accent1"/>
+              </a:fillRef>
+              <a:effectRef idx="0">
+                <a:schemeClr val="accent1"/>
+              </a:effectRef>
+              <a:fontRef idx="minor">
+                <a:schemeClr val="lt1"/>
+              </a:fontRef>
+            </p:style>
+            <p:txBody>
+              <a:bodyPr rtlCol="0" anchor="ctr"/>
+              <a:lstStyle/>
+              <a:p>
+                <a:pPr algn="ctr"/>
+                <a14:m>
+                  <m:oMathPara xmlns:m="http://schemas.openxmlformats.org/officeDocument/2006/math">
+                    <m:oMathParaPr>
+                      <m:jc m:val="centerGroup"/>
+                    </m:oMathParaPr>
+                    <m:oMath xmlns:m="http://schemas.openxmlformats.org/officeDocument/2006/math">
+                      <m:acc>
+                        <m:accPr>
+                          <m:chr m:val="̂"/>
+                          <m:ctrlPr>
+                            <a:rPr lang="en-US" sz="3000" b="0" i="1" smtClean="0">
+                              <a:solidFill>
+                                <a:sysClr val="windowText" lastClr="000000"/>
+                              </a:solidFill>
+                              <a:latin typeface="Cambria Math" panose="02040503050406030204" pitchFamily="18" charset="0"/>
+                            </a:rPr>
+                          </m:ctrlPr>
+                        </m:accPr>
+                        <m:e>
+                          <m:sSub>
+                            <m:sSubPr>
+                              <m:ctrlPr>
+                                <a:rPr lang="en-US" sz="3000" i="1">
+                                  <a:solidFill>
+                                    <a:sysClr val="windowText" lastClr="000000"/>
+                                  </a:solidFill>
+                                  <a:latin typeface="Cambria Math" panose="02040503050406030204" pitchFamily="18" charset="0"/>
+                                  <a:ea typeface="Cambria Math" panose="02040503050406030204" pitchFamily="18" charset="0"/>
+                                </a:rPr>
+                              </m:ctrlPr>
+                            </m:sSubPr>
+                            <m:e>
+                              <m:r>
+                                <m:rPr>
+                                  <m:sty m:val="p"/>
+                                </m:rPr>
+                                <a:rPr lang="el-GR" sz="3000" i="1">
+                                  <a:solidFill>
+                                    <a:sysClr val="windowText" lastClr="000000"/>
+                                  </a:solidFill>
+                                  <a:latin typeface="Cambria Math" panose="02040503050406030204" pitchFamily="18" charset="0"/>
+                                  <a:ea typeface="Cambria Math" panose="02040503050406030204" pitchFamily="18" charset="0"/>
+                                </a:rPr>
+                                <m:t>ψ</m:t>
+                              </m:r>
+                            </m:e>
+                            <m:sub>
+                              <m:r>
+                                <a:rPr lang="en-US" sz="3000" i="1">
+                                  <a:solidFill>
+                                    <a:sysClr val="windowText" lastClr="000000"/>
+                                  </a:solidFill>
+                                  <a:latin typeface="Cambria Math" panose="02040503050406030204" pitchFamily="18" charset="0"/>
+                                  <a:ea typeface="Cambria Math" panose="02040503050406030204" pitchFamily="18" charset="0"/>
+                                </a:rPr>
+                                <m:t>𝑗</m:t>
+                              </m:r>
+                            </m:sub>
+                          </m:sSub>
+                          <m:r>
+                            <m:rPr>
+                              <m:nor/>
+                            </m:rPr>
+                            <a:rPr lang="en-US" sz="3000" dirty="0">
+                              <a:solidFill>
+                                <a:sysClr val="windowText" lastClr="000000"/>
+                              </a:solidFill>
+                            </a:rPr>
+                            <m:t> </m:t>
+                          </m:r>
+                        </m:e>
+                      </m:acc>
+                    </m:oMath>
+                  </m:oMathPara>
+                </a14:m>
+                <a:endParaRPr lang="en-US" sz="3000" b="0" dirty="0">
+                  <a:solidFill>
+                    <a:sysClr val="windowText" lastClr="000000"/>
+                  </a:solidFill>
+                </a:endParaRPr>
+              </a:p>
+            </p:txBody>
+          </p:sp>
+        </mc:Choice>
+        <mc:Fallback xmlns="">
+          <p:sp>
+            <p:nvSpPr>
+              <p:cNvPr id="5" name="Oval 4">
+                <a:extLst>
+                  <a:ext uri="{FF2B5EF4-FFF2-40B4-BE49-F238E27FC236}">
+                    <a16:creationId xmlns:a16="http://schemas.microsoft.com/office/drawing/2014/main" id="{5C081015-BF81-C140-81F8-E3A63977E2DF}"/>
+                  </a:ext>
+                </a:extLst>
+              </p:cNvPr>
+              <p:cNvSpPr>
+                <a:spLocks noRot="1" noChangeAspect="1" noMove="1" noResize="1" noEditPoints="1" noAdjustHandles="1" noChangeArrowheads="1" noChangeShapeType="1" noTextEdit="1"/>
+              </p:cNvSpPr>
+              <p:nvPr/>
+            </p:nvSpPr>
+            <p:spPr>
+              <a:xfrm>
+                <a:off x="5990648" y="4105735"/>
+                <a:ext cx="1142558" cy="1174132"/>
+              </a:xfrm>
+              <a:prstGeom prst="ellipse">
+                <a:avLst/>
+              </a:prstGeom>
+              <a:blipFill>
+                <a:blip r:embed="rId2"/>
+                <a:stretch>
+                  <a:fillRect/>
+                </a:stretch>
+              </a:blipFill>
+              <a:ln>
+                <a:solidFill>
+                  <a:schemeClr val="bg2">
+                    <a:lumMod val="90000"/>
+                  </a:schemeClr>
+                </a:solidFill>
+              </a:ln>
+            </p:spPr>
+            <p:txBody>
+              <a:bodyPr/>
+              <a:lstStyle/>
+              <a:p>
+                <a:r>
+                  <a:rPr lang="en-US">
+                    <a:noFill/>
+                  </a:rPr>
+                  <a:t> </a:t>
+                </a:r>
+              </a:p>
+            </p:txBody>
+          </p:sp>
+        </mc:Fallback>
+      </mc:AlternateContent>
+      <mc:AlternateContent xmlns:mc="http://schemas.openxmlformats.org/markup-compatibility/2006" xmlns:a14="http://schemas.microsoft.com/office/drawing/2010/main">
+        <mc:Choice Requires="a14">
+          <p:sp>
+            <p:nvSpPr>
+              <p:cNvPr id="6" name="Oval 5">
+                <a:extLst>
+                  <a:ext uri="{FF2B5EF4-FFF2-40B4-BE49-F238E27FC236}">
+                    <a16:creationId xmlns:a16="http://schemas.microsoft.com/office/drawing/2014/main" id="{9F9C0098-E147-BF49-B998-2B2C9721A4CC}"/>
+                  </a:ext>
+                </a:extLst>
+              </p:cNvPr>
+              <p:cNvSpPr/>
+              <p:nvPr/>
+            </p:nvSpPr>
+            <p:spPr>
+              <a:xfrm>
+                <a:off x="3933690" y="4124784"/>
+                <a:ext cx="1142558" cy="1174132"/>
+              </a:xfrm>
+              <a:prstGeom prst="ellipse">
+                <a:avLst/>
+              </a:prstGeom>
+              <a:ln>
+                <a:solidFill>
+                  <a:schemeClr val="tx1"/>
+                </a:solidFill>
+              </a:ln>
+            </p:spPr>
+            <p:style>
+              <a:lnRef idx="2">
+                <a:schemeClr val="accent6"/>
+              </a:lnRef>
+              <a:fillRef idx="1">
+                <a:schemeClr val="lt1"/>
+              </a:fillRef>
+              <a:effectRef idx="0">
+                <a:schemeClr val="accent6"/>
+              </a:effectRef>
+              <a:fontRef idx="minor">
+                <a:schemeClr val="dk1"/>
+              </a:fontRef>
+            </p:style>
+            <p:txBody>
+              <a:bodyPr rtlCol="0" anchor="ctr"/>
+              <a:lstStyle/>
+              <a:p>
+                <a:pPr algn="ctr"/>
+                <a14:m>
+                  <m:oMathPara xmlns:m="http://schemas.openxmlformats.org/officeDocument/2006/math">
+                    <m:oMathParaPr>
+                      <m:jc m:val="centerGroup"/>
+                    </m:oMathParaPr>
+                    <m:oMath xmlns:m="http://schemas.openxmlformats.org/officeDocument/2006/math">
+                      <m:sSub>
+                        <m:sSubPr>
+                          <m:ctrlPr>
+                            <a:rPr lang="en-US" sz="3000" i="1" smtClean="0">
+                              <a:solidFill>
+                                <a:sysClr val="windowText" lastClr="000000"/>
+                              </a:solidFill>
+                              <a:latin typeface="Cambria Math" panose="02040503050406030204" pitchFamily="18" charset="0"/>
+                              <a:ea typeface="Cambria Math" panose="02040503050406030204" pitchFamily="18" charset="0"/>
+                            </a:rPr>
+                          </m:ctrlPr>
+                        </m:sSubPr>
+                        <m:e>
+                          <m:r>
+                            <m:rPr>
+                              <m:sty m:val="p"/>
+                            </m:rPr>
+                            <a:rPr lang="el-GR" sz="3000" i="1">
+                              <a:solidFill>
+                                <a:sysClr val="windowText" lastClr="000000"/>
+                              </a:solidFill>
+                              <a:latin typeface="Cambria Math" panose="02040503050406030204" pitchFamily="18" charset="0"/>
+                              <a:ea typeface="Cambria Math" panose="02040503050406030204" pitchFamily="18" charset="0"/>
+                            </a:rPr>
+                            <m:t>ψ</m:t>
+                          </m:r>
+                        </m:e>
+                        <m:sub>
+                          <m:r>
+                            <a:rPr lang="en-US" sz="3000" b="0" i="1" smtClean="0">
+                              <a:solidFill>
+                                <a:sysClr val="windowText" lastClr="000000"/>
+                              </a:solidFill>
+                              <a:latin typeface="Cambria Math" panose="02040503050406030204" pitchFamily="18" charset="0"/>
+                              <a:ea typeface="Cambria Math" panose="02040503050406030204" pitchFamily="18" charset="0"/>
+                            </a:rPr>
+                            <m:t>𝑗</m:t>
+                          </m:r>
+                        </m:sub>
+                      </m:sSub>
+                    </m:oMath>
+                  </m:oMathPara>
+                </a14:m>
+                <a:endParaRPr lang="en-US" sz="3000" dirty="0">
+                  <a:solidFill>
+                    <a:sysClr val="windowText" lastClr="000000"/>
+                  </a:solidFill>
+                </a:endParaRPr>
+              </a:p>
+            </p:txBody>
+          </p:sp>
+        </mc:Choice>
+        <mc:Fallback xmlns="">
+          <p:sp>
+            <p:nvSpPr>
+              <p:cNvPr id="6" name="Oval 5">
+                <a:extLst>
+                  <a:ext uri="{FF2B5EF4-FFF2-40B4-BE49-F238E27FC236}">
+                    <a16:creationId xmlns:a16="http://schemas.microsoft.com/office/drawing/2014/main" id="{9F9C0098-E147-BF49-B998-2B2C9721A4CC}"/>
+                  </a:ext>
+                </a:extLst>
+              </p:cNvPr>
+              <p:cNvSpPr>
+                <a:spLocks noRot="1" noChangeAspect="1" noMove="1" noResize="1" noEditPoints="1" noAdjustHandles="1" noChangeArrowheads="1" noChangeShapeType="1" noTextEdit="1"/>
+              </p:cNvSpPr>
+              <p:nvPr/>
+            </p:nvSpPr>
+            <p:spPr>
+              <a:xfrm>
+                <a:off x="3933690" y="4124784"/>
+                <a:ext cx="1142558" cy="1174132"/>
+              </a:xfrm>
+              <a:prstGeom prst="ellipse">
+                <a:avLst/>
+              </a:prstGeom>
+              <a:blipFill>
+                <a:blip r:embed="rId3"/>
+                <a:stretch>
+                  <a:fillRect/>
+                </a:stretch>
+              </a:blipFill>
+              <a:ln>
+                <a:solidFill>
+                  <a:schemeClr val="tx1"/>
+                </a:solidFill>
+              </a:ln>
+            </p:spPr>
+            <p:txBody>
+              <a:bodyPr/>
+              <a:lstStyle/>
+              <a:p>
+                <a:r>
+                  <a:rPr lang="en-US">
+                    <a:noFill/>
+                  </a:rPr>
+                  <a:t> </a:t>
+                </a:r>
+              </a:p>
+            </p:txBody>
+          </p:sp>
+        </mc:Fallback>
+      </mc:AlternateContent>
+      <p:sp>
+        <p:nvSpPr>
+          <p:cNvPr id="7" name="TextBox 6">
+            <a:extLst>
+              <a:ext uri="{FF2B5EF4-FFF2-40B4-BE49-F238E27FC236}">
+                <a16:creationId xmlns:a16="http://schemas.microsoft.com/office/drawing/2014/main" id="{F00AB5D7-CD70-5649-BF76-47E4C6211443}"/>
+              </a:ext>
+            </a:extLst>
+          </p:cNvPr>
+          <p:cNvSpPr txBox="1"/>
+          <p:nvPr/>
+        </p:nvSpPr>
+        <p:spPr>
+          <a:xfrm>
+            <a:off x="7849226" y="5607200"/>
+            <a:ext cx="409086" cy="707886"/>
+          </a:xfrm>
+          <a:prstGeom prst="rect">
+            <a:avLst/>
+          </a:prstGeom>
+          <a:noFill/>
+        </p:spPr>
+        <p:txBody>
+          <a:bodyPr wrap="none" rtlCol="0">
+            <a:spAutoFit/>
+          </a:bodyPr>
+          <a:lstStyle/>
+          <a:p>
+            <a:r>
+              <a:rPr lang="en-US" sz="4000" dirty="0">
+                <a:latin typeface="Calisto MT" panose="02040603050505030304" pitchFamily="18" charset="77"/>
+                <a:ea typeface="Apple Symbols" panose="02000000000000000000" pitchFamily="2" charset="-79"/>
+                <a:cs typeface="Apple Symbols" panose="02000000000000000000" pitchFamily="2" charset="-79"/>
+              </a:rPr>
+              <a:t>J</a:t>
+            </a:r>
+          </a:p>
+        </p:txBody>
+      </p:sp>
+      <mc:AlternateContent xmlns:mc="http://schemas.openxmlformats.org/markup-compatibility/2006" xmlns:a14="http://schemas.microsoft.com/office/drawing/2010/main">
+        <mc:Choice Requires="a14">
+          <p:sp>
+            <p:nvSpPr>
+              <p:cNvPr id="8" name="TextBox 7">
+                <a:extLst>
+                  <a:ext uri="{FF2B5EF4-FFF2-40B4-BE49-F238E27FC236}">
+                    <a16:creationId xmlns:a16="http://schemas.microsoft.com/office/drawing/2014/main" id="{3D0968C4-79C2-4F46-908B-BE632E2E820D}"/>
+                  </a:ext>
+                </a:extLst>
+              </p:cNvPr>
+              <p:cNvSpPr txBox="1"/>
+              <p:nvPr/>
+            </p:nvSpPr>
+            <p:spPr>
+              <a:xfrm>
+                <a:off x="6139921" y="2586706"/>
+                <a:ext cx="914400" cy="591124"/>
+              </a:xfrm>
+              <a:prstGeom prst="rect">
+                <a:avLst/>
+              </a:prstGeom>
+              <a:noFill/>
+            </p:spPr>
+            <p:txBody>
+              <a:bodyPr wrap="square" rtlCol="0">
+                <a:spAutoFit/>
+              </a:bodyPr>
+              <a:lstStyle/>
+              <a:p>
+                <a:pPr algn="ctr"/>
+                <a14:m>
+                  <m:oMathPara xmlns:m="http://schemas.openxmlformats.org/officeDocument/2006/math">
+                    <m:oMathParaPr>
+                      <m:jc m:val="centerGroup"/>
+                    </m:oMathParaPr>
+                    <m:oMath xmlns:m="http://schemas.openxmlformats.org/officeDocument/2006/math">
+                      <m:sSub>
+                        <m:sSubPr>
+                          <m:ctrlPr>
+                            <a:rPr lang="en-US" sz="3000" i="1" smtClean="0">
+                              <a:solidFill>
+                                <a:sysClr val="windowText" lastClr="000000"/>
+                              </a:solidFill>
+                              <a:latin typeface="Cambria Math" panose="02040503050406030204" pitchFamily="18" charset="0"/>
+                              <a:ea typeface="Cambria Math" panose="02040503050406030204" pitchFamily="18" charset="0"/>
+                            </a:rPr>
+                          </m:ctrlPr>
+                        </m:sSubPr>
+                        <m:e>
+                          <m:r>
+                            <a:rPr lang="el-GR" sz="3000" i="1" smtClean="0">
+                              <a:solidFill>
+                                <a:sysClr val="windowText" lastClr="000000"/>
+                              </a:solidFill>
+                              <a:latin typeface="Cambria Math" panose="02040503050406030204" pitchFamily="18" charset="0"/>
+                              <a:ea typeface="Cambria Math" panose="02040503050406030204" pitchFamily="18" charset="0"/>
+                            </a:rPr>
+                            <m:t>𝜎</m:t>
+                          </m:r>
+                        </m:e>
+                        <m:sub>
+                          <m:r>
+                            <a:rPr lang="en-US" sz="3000" b="0" i="1" smtClean="0">
+                              <a:solidFill>
+                                <a:sysClr val="windowText" lastClr="000000"/>
+                              </a:solidFill>
+                              <a:latin typeface="Cambria Math" panose="02040503050406030204" pitchFamily="18" charset="0"/>
+                              <a:ea typeface="Cambria Math" panose="02040503050406030204" pitchFamily="18" charset="0"/>
+                            </a:rPr>
+                            <m:t>𝑗</m:t>
+                          </m:r>
+                        </m:sub>
+                      </m:sSub>
+                    </m:oMath>
+                  </m:oMathPara>
+                </a14:m>
+                <a:endParaRPr lang="en-US" sz="3000" dirty="0">
+                  <a:solidFill>
+                    <a:sysClr val="windowText" lastClr="000000"/>
+                  </a:solidFill>
+                </a:endParaRPr>
+              </a:p>
+            </p:txBody>
+          </p:sp>
+        </mc:Choice>
+        <mc:Fallback xmlns="">
+          <p:sp>
+            <p:nvSpPr>
+              <p:cNvPr id="8" name="TextBox 7">
+                <a:extLst>
+                  <a:ext uri="{FF2B5EF4-FFF2-40B4-BE49-F238E27FC236}">
+                    <a16:creationId xmlns:a16="http://schemas.microsoft.com/office/drawing/2014/main" id="{3D0968C4-79C2-4F46-908B-BE632E2E820D}"/>
+                  </a:ext>
+                </a:extLst>
+              </p:cNvPr>
+              <p:cNvSpPr txBox="1">
+                <a:spLocks noRot="1" noChangeAspect="1" noMove="1" noResize="1" noEditPoints="1" noAdjustHandles="1" noChangeArrowheads="1" noChangeShapeType="1" noTextEdit="1"/>
+              </p:cNvSpPr>
+              <p:nvPr/>
+            </p:nvSpPr>
+            <p:spPr>
+              <a:xfrm>
+                <a:off x="6139921" y="2586706"/>
+                <a:ext cx="914400" cy="591124"/>
+              </a:xfrm>
+              <a:prstGeom prst="rect">
+                <a:avLst/>
+              </a:prstGeom>
+              <a:blipFill>
+                <a:blip r:embed="rId4"/>
+                <a:stretch>
+                  <a:fillRect b="-13043"/>
+                </a:stretch>
+              </a:blipFill>
+            </p:spPr>
+            <p:txBody>
+              <a:bodyPr/>
+              <a:lstStyle/>
+              <a:p>
+                <a:r>
+                  <a:rPr lang="en-US">
+                    <a:noFill/>
+                  </a:rPr>
+                  <a:t> </a:t>
+                </a:r>
+              </a:p>
+            </p:txBody>
+          </p:sp>
+        </mc:Fallback>
+      </mc:AlternateContent>
+      <mc:AlternateContent xmlns:mc="http://schemas.openxmlformats.org/markup-compatibility/2006" xmlns:a14="http://schemas.microsoft.com/office/drawing/2010/main">
+        <mc:Choice Requires="a14">
+          <p:sp>
+            <p:nvSpPr>
+              <p:cNvPr id="9" name="Oval 8">
+                <a:extLst>
+                  <a:ext uri="{FF2B5EF4-FFF2-40B4-BE49-F238E27FC236}">
+                    <a16:creationId xmlns:a16="http://schemas.microsoft.com/office/drawing/2014/main" id="{B0030046-60CD-AC4A-9FAE-76AF0A22A0B2}"/>
+                  </a:ext>
+                </a:extLst>
+              </p:cNvPr>
+              <p:cNvSpPr/>
+              <p:nvPr/>
+            </p:nvSpPr>
+            <p:spPr>
+              <a:xfrm>
+                <a:off x="1690174" y="3905250"/>
+                <a:ext cx="914400" cy="914400"/>
+              </a:xfrm>
+              <a:prstGeom prst="ellipse">
+                <a:avLst/>
+              </a:prstGeom>
+              <a:ln>
+                <a:solidFill>
+                  <a:schemeClr val="tx1"/>
+                </a:solidFill>
+              </a:ln>
+            </p:spPr>
+            <p:style>
+              <a:lnRef idx="2">
+                <a:schemeClr val="accent6"/>
+              </a:lnRef>
+              <a:fillRef idx="1">
+                <a:schemeClr val="lt1"/>
+              </a:fillRef>
+              <a:effectRef idx="0">
+                <a:schemeClr val="accent6"/>
+              </a:effectRef>
+              <a:fontRef idx="minor">
+                <a:schemeClr val="dk1"/>
+              </a:fontRef>
+            </p:style>
+            <p:txBody>
+              <a:bodyPr rtlCol="0" anchor="ctr"/>
+              <a:lstStyle/>
+              <a:p>
+                <a:pPr algn="ctr"/>
+                <a14:m>
+                  <m:oMathPara xmlns:m="http://schemas.openxmlformats.org/officeDocument/2006/math">
+                    <m:oMathParaPr>
+                      <m:jc m:val="centerGroup"/>
+                    </m:oMathParaPr>
+                    <m:oMath xmlns:m="http://schemas.openxmlformats.org/officeDocument/2006/math">
+                      <m:sSub>
+                        <m:sSubPr>
+                          <m:ctrlPr>
+                            <a:rPr lang="en-US" sz="3000" i="1" smtClean="0">
+                              <a:solidFill>
+                                <a:sysClr val="windowText" lastClr="000000"/>
+                              </a:solidFill>
+                              <a:latin typeface="Cambria Math" panose="02040503050406030204" pitchFamily="18" charset="0"/>
+                              <a:ea typeface="Cambria Math" panose="02040503050406030204" pitchFamily="18" charset="0"/>
+                            </a:rPr>
+                          </m:ctrlPr>
+                        </m:sSubPr>
+                        <m:e>
+                          <m:r>
+                            <m:rPr>
+                              <m:sty m:val="p"/>
+                            </m:rPr>
+                            <a:rPr lang="el-GR" sz="3000" i="1" smtClean="0">
+                              <a:solidFill>
+                                <a:sysClr val="windowText" lastClr="000000"/>
+                              </a:solidFill>
+                              <a:latin typeface="Cambria Math" panose="02040503050406030204" pitchFamily="18" charset="0"/>
+                              <a:ea typeface="Cambria Math" panose="02040503050406030204" pitchFamily="18" charset="0"/>
+                            </a:rPr>
+                            <m:t>ψ</m:t>
+                          </m:r>
+                        </m:e>
+                        <m:sub>
+                          <m:r>
+                            <a:rPr lang="en-US" sz="3000" b="0" i="1" smtClean="0">
+                              <a:solidFill>
+                                <a:sysClr val="windowText" lastClr="000000"/>
+                              </a:solidFill>
+                              <a:latin typeface="Cambria Math" panose="02040503050406030204" pitchFamily="18" charset="0"/>
+                              <a:ea typeface="Cambria Math" panose="02040503050406030204" pitchFamily="18" charset="0"/>
+                            </a:rPr>
+                            <m:t>0</m:t>
+                          </m:r>
+                        </m:sub>
+                      </m:sSub>
+                    </m:oMath>
+                  </m:oMathPara>
+                </a14:m>
+                <a:endParaRPr lang="en-US" sz="3000" dirty="0">
+                  <a:solidFill>
+                    <a:sysClr val="windowText" lastClr="000000"/>
+                  </a:solidFill>
+                </a:endParaRPr>
+              </a:p>
+            </p:txBody>
+          </p:sp>
+        </mc:Choice>
+        <mc:Fallback xmlns="">
+          <p:sp>
+            <p:nvSpPr>
+              <p:cNvPr id="9" name="Oval 8">
+                <a:extLst>
+                  <a:ext uri="{FF2B5EF4-FFF2-40B4-BE49-F238E27FC236}">
+                    <a16:creationId xmlns:a16="http://schemas.microsoft.com/office/drawing/2014/main" id="{B0030046-60CD-AC4A-9FAE-76AF0A22A0B2}"/>
+                  </a:ext>
+                </a:extLst>
+              </p:cNvPr>
+              <p:cNvSpPr>
+                <a:spLocks noRot="1" noChangeAspect="1" noMove="1" noResize="1" noEditPoints="1" noAdjustHandles="1" noChangeArrowheads="1" noChangeShapeType="1" noTextEdit="1"/>
+              </p:cNvSpPr>
+              <p:nvPr/>
+            </p:nvSpPr>
+            <p:spPr>
+              <a:xfrm>
+                <a:off x="1690174" y="3905250"/>
+                <a:ext cx="914400" cy="914400"/>
+              </a:xfrm>
+              <a:prstGeom prst="ellipse">
+                <a:avLst/>
+              </a:prstGeom>
+              <a:blipFill>
+                <a:blip r:embed="rId5"/>
+                <a:stretch>
+                  <a:fillRect/>
+                </a:stretch>
+              </a:blipFill>
+              <a:ln>
+                <a:solidFill>
+                  <a:schemeClr val="tx1"/>
+                </a:solidFill>
+              </a:ln>
+            </p:spPr>
+            <p:txBody>
+              <a:bodyPr/>
+              <a:lstStyle/>
+              <a:p>
+                <a:r>
+                  <a:rPr lang="en-US">
+                    <a:noFill/>
+                  </a:rPr>
+                  <a:t> </a:t>
+                </a:r>
+              </a:p>
+            </p:txBody>
+          </p:sp>
+        </mc:Fallback>
+      </mc:AlternateContent>
+      <mc:AlternateContent xmlns:mc="http://schemas.openxmlformats.org/markup-compatibility/2006" xmlns:a14="http://schemas.microsoft.com/office/drawing/2010/main">
+        <mc:Choice Requires="a14">
+          <p:sp>
+            <p:nvSpPr>
+              <p:cNvPr id="10" name="Oval 9">
+                <a:extLst>
+                  <a:ext uri="{FF2B5EF4-FFF2-40B4-BE49-F238E27FC236}">
+                    <a16:creationId xmlns:a16="http://schemas.microsoft.com/office/drawing/2014/main" id="{258A1C5A-C1AA-C34E-BE25-BEE5BC34C089}"/>
+                  </a:ext>
+                </a:extLst>
+              </p:cNvPr>
+              <p:cNvSpPr/>
+              <p:nvPr/>
+            </p:nvSpPr>
+            <p:spPr>
+              <a:xfrm>
+                <a:off x="1697865" y="5168581"/>
+                <a:ext cx="914400" cy="914400"/>
+              </a:xfrm>
+              <a:prstGeom prst="ellipse">
+                <a:avLst/>
+              </a:prstGeom>
+              <a:ln>
+                <a:solidFill>
+                  <a:schemeClr val="tx1"/>
+                </a:solidFill>
+              </a:ln>
+            </p:spPr>
+            <p:style>
+              <a:lnRef idx="2">
+                <a:schemeClr val="accent6"/>
+              </a:lnRef>
+              <a:fillRef idx="1">
+                <a:schemeClr val="lt1"/>
+              </a:fillRef>
+              <a:effectRef idx="0">
+                <a:schemeClr val="accent6"/>
+              </a:effectRef>
+              <a:fontRef idx="minor">
+                <a:schemeClr val="dk1"/>
+              </a:fontRef>
+            </p:style>
+            <p:txBody>
+              <a:bodyPr rtlCol="0" anchor="ctr"/>
+              <a:lstStyle/>
+              <a:p>
+                <a:pPr algn="ctr"/>
+                <a14:m>
+                  <m:oMathPara xmlns:m="http://schemas.openxmlformats.org/officeDocument/2006/math">
+                    <m:oMathParaPr>
+                      <m:jc m:val="centerGroup"/>
+                    </m:oMathParaPr>
+                    <m:oMath xmlns:m="http://schemas.openxmlformats.org/officeDocument/2006/math">
+                      <m:sSub>
+                        <m:sSubPr>
+                          <m:ctrlPr>
+                            <a:rPr lang="en-US" sz="3000" i="1" smtClean="0">
+                              <a:solidFill>
+                                <a:sysClr val="windowText" lastClr="000000"/>
+                              </a:solidFill>
+                              <a:latin typeface="Cambria Math" panose="02040503050406030204" pitchFamily="18" charset="0"/>
+                              <a:ea typeface="Cambria Math" panose="02040503050406030204" pitchFamily="18" charset="0"/>
+                            </a:rPr>
+                          </m:ctrlPr>
+                        </m:sSubPr>
+                        <m:e>
+                          <m:r>
+                            <a:rPr lang="el-GR" sz="3000" i="1" smtClean="0">
+                              <a:solidFill>
+                                <a:sysClr val="windowText" lastClr="000000"/>
+                              </a:solidFill>
+                              <a:latin typeface="Cambria Math" panose="02040503050406030204" pitchFamily="18" charset="0"/>
+                              <a:ea typeface="Cambria Math" panose="02040503050406030204" pitchFamily="18" charset="0"/>
+                            </a:rPr>
+                            <m:t>𝜎</m:t>
+                          </m:r>
+                        </m:e>
+                        <m:sub>
+                          <m:r>
+                            <a:rPr lang="en-US" sz="3000" b="0" i="1" smtClean="0">
+                              <a:solidFill>
+                                <a:sysClr val="windowText" lastClr="000000"/>
+                              </a:solidFill>
+                              <a:latin typeface="Cambria Math" panose="02040503050406030204" pitchFamily="18" charset="0"/>
+                              <a:ea typeface="Cambria Math" panose="02040503050406030204" pitchFamily="18" charset="0"/>
+                            </a:rPr>
+                            <m:t>0</m:t>
+                          </m:r>
+                        </m:sub>
+                      </m:sSub>
+                    </m:oMath>
+                  </m:oMathPara>
+                </a14:m>
+                <a:endParaRPr lang="en-US" sz="3000" dirty="0">
+                  <a:solidFill>
+                    <a:sysClr val="windowText" lastClr="000000"/>
+                  </a:solidFill>
+                </a:endParaRPr>
+              </a:p>
+            </p:txBody>
+          </p:sp>
+        </mc:Choice>
+        <mc:Fallback xmlns="">
+          <p:sp>
+            <p:nvSpPr>
+              <p:cNvPr id="10" name="Oval 9">
+                <a:extLst>
+                  <a:ext uri="{FF2B5EF4-FFF2-40B4-BE49-F238E27FC236}">
+                    <a16:creationId xmlns:a16="http://schemas.microsoft.com/office/drawing/2014/main" id="{258A1C5A-C1AA-C34E-BE25-BEE5BC34C089}"/>
+                  </a:ext>
+                </a:extLst>
+              </p:cNvPr>
+              <p:cNvSpPr>
+                <a:spLocks noRot="1" noChangeAspect="1" noMove="1" noResize="1" noEditPoints="1" noAdjustHandles="1" noChangeArrowheads="1" noChangeShapeType="1" noTextEdit="1"/>
+              </p:cNvSpPr>
+              <p:nvPr/>
+            </p:nvSpPr>
+            <p:spPr>
+              <a:xfrm>
+                <a:off x="1697865" y="5168581"/>
+                <a:ext cx="914400" cy="914400"/>
+              </a:xfrm>
+              <a:prstGeom prst="ellipse">
+                <a:avLst/>
+              </a:prstGeom>
+              <a:blipFill>
+                <a:blip r:embed="rId6"/>
+                <a:stretch>
+                  <a:fillRect/>
+                </a:stretch>
+              </a:blipFill>
+              <a:ln>
+                <a:solidFill>
+                  <a:schemeClr val="tx1"/>
+                </a:solidFill>
+              </a:ln>
+            </p:spPr>
+            <p:txBody>
+              <a:bodyPr/>
+              <a:lstStyle/>
+              <a:p>
+                <a:r>
+                  <a:rPr lang="en-US">
+                    <a:noFill/>
+                  </a:rPr>
+                  <a:t> </a:t>
+                </a:r>
+              </a:p>
+            </p:txBody>
+          </p:sp>
+        </mc:Fallback>
+      </mc:AlternateContent>
+      <p:cxnSp>
+        <p:nvCxnSpPr>
+          <p:cNvPr id="12" name="Straight Arrow Connector 11">
+            <a:extLst>
+              <a:ext uri="{FF2B5EF4-FFF2-40B4-BE49-F238E27FC236}">
+                <a16:creationId xmlns:a16="http://schemas.microsoft.com/office/drawing/2014/main" id="{155EB399-D759-B84F-AB62-E3C9ABC647CD}"/>
+              </a:ext>
+            </a:extLst>
+          </p:cNvPr>
+          <p:cNvCxnSpPr>
+            <a:cxnSpLocks/>
+            <a:stCxn id="9" idx="6"/>
+            <a:endCxn id="6" idx="2"/>
+          </p:cNvCxnSpPr>
+          <p:nvPr/>
+        </p:nvCxnSpPr>
+        <p:spPr>
+          <a:xfrm>
+            <a:off x="2604574" y="4362450"/>
+            <a:ext cx="1329116" cy="349400"/>
+          </a:xfrm>
+          <a:prstGeom prst="straightConnector1">
+            <a:avLst/>
+          </a:prstGeom>
+          <a:ln>
+            <a:solidFill>
+              <a:schemeClr val="tx1"/>
+            </a:solidFill>
+            <a:tailEnd type="triangle"/>
+          </a:ln>
+        </p:spPr>
+        <p:style>
+          <a:lnRef idx="1">
+            <a:schemeClr val="accent1"/>
+          </a:lnRef>
+          <a:fillRef idx="0">
+            <a:schemeClr val="accent1"/>
+          </a:fillRef>
+          <a:effectRef idx="0">
+            <a:schemeClr val="accent1"/>
+          </a:effectRef>
+          <a:fontRef idx="minor">
+            <a:schemeClr val="tx1"/>
+          </a:fontRef>
+        </p:style>
+      </p:cxnSp>
+      <p:cxnSp>
+        <p:nvCxnSpPr>
+          <p:cNvPr id="14" name="Straight Arrow Connector 13">
+            <a:extLst>
+              <a:ext uri="{FF2B5EF4-FFF2-40B4-BE49-F238E27FC236}">
+                <a16:creationId xmlns:a16="http://schemas.microsoft.com/office/drawing/2014/main" id="{0B424EBA-D3A2-1840-9081-BF36C70B9F64}"/>
+              </a:ext>
+            </a:extLst>
+          </p:cNvPr>
+          <p:cNvCxnSpPr>
+            <a:cxnSpLocks/>
+            <a:stCxn id="10" idx="6"/>
+          </p:cNvCxnSpPr>
+          <p:nvPr/>
+        </p:nvCxnSpPr>
+        <p:spPr>
+          <a:xfrm flipV="1">
+            <a:off x="2612265" y="4855323"/>
+            <a:ext cx="1321425" cy="770458"/>
+          </a:xfrm>
+          <a:prstGeom prst="straightConnector1">
+            <a:avLst/>
+          </a:prstGeom>
+          <a:ln>
+            <a:solidFill>
+              <a:schemeClr val="tx1"/>
+            </a:solidFill>
+            <a:tailEnd type="triangle"/>
+          </a:ln>
+        </p:spPr>
+        <p:style>
+          <a:lnRef idx="1">
+            <a:schemeClr val="accent1"/>
+          </a:lnRef>
+          <a:fillRef idx="0">
+            <a:schemeClr val="accent1"/>
+          </a:fillRef>
+          <a:effectRef idx="0">
+            <a:schemeClr val="accent1"/>
+          </a:effectRef>
+          <a:fontRef idx="minor">
+            <a:schemeClr val="tx1"/>
+          </a:fontRef>
+        </p:style>
+      </p:cxnSp>
+      <p:cxnSp>
+        <p:nvCxnSpPr>
+          <p:cNvPr id="20" name="Straight Arrow Connector 19">
+            <a:extLst>
+              <a:ext uri="{FF2B5EF4-FFF2-40B4-BE49-F238E27FC236}">
+                <a16:creationId xmlns:a16="http://schemas.microsoft.com/office/drawing/2014/main" id="{93FAFFF2-3631-FA48-AAEB-CFA432DCD9A1}"/>
+              </a:ext>
+            </a:extLst>
+          </p:cNvPr>
+          <p:cNvCxnSpPr>
+            <a:cxnSpLocks/>
+            <a:endCxn id="5" idx="2"/>
+          </p:cNvCxnSpPr>
+          <p:nvPr/>
+        </p:nvCxnSpPr>
+        <p:spPr>
+          <a:xfrm flipV="1">
+            <a:off x="5076248" y="4692801"/>
+            <a:ext cx="914400" cy="19049"/>
+          </a:xfrm>
+          <a:prstGeom prst="straightConnector1">
+            <a:avLst/>
+          </a:prstGeom>
+          <a:ln>
+            <a:solidFill>
+              <a:schemeClr val="tx1"/>
+            </a:solidFill>
+            <a:tailEnd type="triangle"/>
+          </a:ln>
+        </p:spPr>
+        <p:style>
+          <a:lnRef idx="1">
+            <a:schemeClr val="accent1"/>
+          </a:lnRef>
+          <a:fillRef idx="0">
+            <a:schemeClr val="accent1"/>
+          </a:fillRef>
+          <a:effectRef idx="0">
+            <a:schemeClr val="accent1"/>
+          </a:effectRef>
+          <a:fontRef idx="minor">
+            <a:schemeClr val="tx1"/>
+          </a:fontRef>
+        </p:style>
+      </p:cxnSp>
+      <p:cxnSp>
+        <p:nvCxnSpPr>
+          <p:cNvPr id="23" name="Straight Arrow Connector 22">
+            <a:extLst>
+              <a:ext uri="{FF2B5EF4-FFF2-40B4-BE49-F238E27FC236}">
+                <a16:creationId xmlns:a16="http://schemas.microsoft.com/office/drawing/2014/main" id="{A8E587DA-B92D-2243-9741-15CBE62A4239}"/>
+              </a:ext>
+            </a:extLst>
+          </p:cNvPr>
+          <p:cNvCxnSpPr>
+            <a:cxnSpLocks/>
+            <a:endCxn id="5" idx="0"/>
+          </p:cNvCxnSpPr>
+          <p:nvPr/>
+        </p:nvCxnSpPr>
+        <p:spPr>
+          <a:xfrm>
+            <a:off x="6561927" y="3344157"/>
+            <a:ext cx="0" cy="761578"/>
+          </a:xfrm>
+          <a:prstGeom prst="straightConnector1">
+            <a:avLst/>
+          </a:prstGeom>
+          <a:ln>
+            <a:solidFill>
+              <a:schemeClr val="tx1"/>
+            </a:solidFill>
+            <a:tailEnd type="triangle"/>
+          </a:ln>
+        </p:spPr>
+        <p:style>
+          <a:lnRef idx="1">
+            <a:schemeClr val="accent1"/>
+          </a:lnRef>
+          <a:fillRef idx="0">
+            <a:schemeClr val="accent1"/>
+          </a:fillRef>
+          <a:effectRef idx="0">
+            <a:schemeClr val="accent1"/>
+          </a:effectRef>
+          <a:fontRef idx="minor">
+            <a:schemeClr val="tx1"/>
+          </a:fontRef>
+        </p:style>
+      </p:cxnSp>
+    </p:spTree>
+    <p:extLst>
+      <p:ext uri="{BB962C8B-B14F-4D97-AF65-F5344CB8AC3E}">
+        <p14:creationId xmlns:p14="http://schemas.microsoft.com/office/powerpoint/2010/main" val="1589887399"/>
+      </p:ext>
+    </p:extLst>
+  </p:cSld>
+  <p:clrMapOvr>
+    <a:masterClrMapping/>
+  </p:clrMapOvr>
+</p:sld>
+</file>
+
+<file path=ppt/slides/slide2.xml><?xml version="1.0" encoding="utf-8"?>
+<p:sld xmlns:a="http://schemas.openxmlformats.org/drawingml/2006/main" xmlns:r="http://schemas.openxmlformats.org/officeDocument/2006/relationships" xmlns:p="http://schemas.openxmlformats.org/presentationml/2006/main">
+  <p:cSld>
+    <p:spTree>
+      <p:nvGrpSpPr>
+        <p:cNvPr id="1" name=""/>
+        <p:cNvGrpSpPr/>
+        <p:nvPr/>
+      </p:nvGrpSpPr>
+      <p:grpSpPr>
+        <a:xfrm>
+          <a:off x="0" y="0"/>
+          <a:ext cx="0" cy="0"/>
+          <a:chOff x="0" y="0"/>
+          <a:chExt cx="0" cy="0"/>
+        </a:xfrm>
+      </p:grpSpPr>
+      <p:sp>
+        <p:nvSpPr>
+          <p:cNvPr id="2" name="Title 1">
+            <a:extLst>
+              <a:ext uri="{FF2B5EF4-FFF2-40B4-BE49-F238E27FC236}">
+                <a16:creationId xmlns:a16="http://schemas.microsoft.com/office/drawing/2014/main" id="{F2B4717D-8ED8-324E-B91D-3080D565076B}"/>
+              </a:ext>
+            </a:extLst>
+          </p:cNvPr>
+          <p:cNvSpPr>
+            <a:spLocks noGrp="1"/>
+          </p:cNvSpPr>
+          <p:nvPr>
+            <p:ph type="title"/>
+          </p:nvPr>
+        </p:nvSpPr>
+        <p:spPr/>
+        <p:txBody>
+          <a:bodyPr/>
+          <a:lstStyle/>
+          <a:p>
+            <a:endParaRPr lang="en-US"/>
+          </a:p>
+        </p:txBody>
+      </p:sp>
+      <p:sp>
+        <p:nvSpPr>
+          <p:cNvPr id="4" name="Rectangle 3">
+            <a:extLst>
+              <a:ext uri="{FF2B5EF4-FFF2-40B4-BE49-F238E27FC236}">
+                <a16:creationId xmlns:a16="http://schemas.microsoft.com/office/drawing/2014/main" id="{A0701745-C200-1A4E-8E1E-B8FCC26A9992}"/>
+              </a:ext>
+            </a:extLst>
+          </p:cNvPr>
+          <p:cNvSpPr/>
+          <p:nvPr/>
+        </p:nvSpPr>
+        <p:spPr>
+          <a:xfrm>
+            <a:off x="5817008" y="2524114"/>
+            <a:ext cx="3962646" cy="3741002"/>
+          </a:xfrm>
+          <a:prstGeom prst="rect">
+            <a:avLst/>
+          </a:prstGeom>
+          <a:ln>
+            <a:solidFill>
+              <a:schemeClr val="tx1"/>
+            </a:solidFill>
+          </a:ln>
+        </p:spPr>
+        <p:style>
+          <a:lnRef idx="2">
+            <a:schemeClr val="accent6"/>
+          </a:lnRef>
+          <a:fillRef idx="1">
+            <a:schemeClr val="lt1"/>
+          </a:fillRef>
+          <a:effectRef idx="0">
+            <a:schemeClr val="accent6"/>
+          </a:effectRef>
+          <a:fontRef idx="minor">
+            <a:schemeClr val="dk1"/>
+          </a:fontRef>
+        </p:style>
+        <p:txBody>
+          <a:bodyPr rtlCol="0" anchor="ctr"/>
+          <a:lstStyle/>
+          <a:p>
+            <a:pPr algn="ctr"/>
+            <a:endParaRPr lang="en-US" dirty="0">
+              <a:ln>
+                <a:solidFill>
+                  <a:schemeClr val="tx1"/>
+                </a:solidFill>
+              </a:ln>
+              <a:solidFill>
+                <a:schemeClr val="tx1"/>
+              </a:solidFill>
+            </a:endParaRPr>
+          </a:p>
+        </p:txBody>
+      </p:sp>
       <mc:AlternateContent xmlns:mc="http://schemas.openxmlformats.org/markup-compatibility/2006">
         <mc:Choice xmlns:a14="http://schemas.microsoft.com/office/drawing/2010/main" Requires="a14">
           <p:sp>
@@ -3420,7 +4542,7 @@
             </p:nvSpPr>
             <p:spPr>
               <a:xfrm>
-                <a:off x="5990648" y="4105735"/>
+                <a:off x="8138012" y="4077172"/>
                 <a:ext cx="1142558" cy="1174132"/>
               </a:xfrm>
               <a:prstGeom prst="ellipse">
@@ -3559,7 +4681,7 @@
             </p:nvSpPr>
             <p:spPr>
               <a:xfrm>
-                <a:off x="5990648" y="4105735"/>
+                <a:off x="8138012" y="4077172"/>
                 <a:ext cx="1142558" cy="1174132"/>
               </a:xfrm>
               <a:prstGeom prst="ellipse">
@@ -3584,7 +4706,7 @@
               <a:lstStyle/>
               <a:p>
                 <a:r>
-                  <a:rPr lang="en-US">
+                  <a:rPr lang="zh-CN" altLang="en-US">
                     <a:noFill/>
                   </a:rPr>
                   <a:t> </a:t>
@@ -3610,7 +4732,7 @@
             </p:nvSpPr>
             <p:spPr>
               <a:xfrm>
-                <a:off x="3933690" y="4124784"/>
+                <a:off x="6464510" y="4084425"/>
                 <a:ext cx="1142558" cy="1174132"/>
               </a:xfrm>
               <a:prstGeom prst="ellipse">
@@ -3716,7 +4838,7 @@
             </p:nvSpPr>
             <p:spPr>
               <a:xfrm>
-                <a:off x="3933690" y="4124784"/>
+                <a:off x="6464510" y="4084425"/>
                 <a:ext cx="1142558" cy="1174132"/>
               </a:xfrm>
               <a:prstGeom prst="ellipse">
@@ -3739,7 +4861,7 @@
               <a:lstStyle/>
               <a:p>
                 <a:r>
-                  <a:rPr lang="en-US">
+                  <a:rPr lang="zh-CN" altLang="en-US">
                     <a:noFill/>
                   </a:rPr>
                   <a:t> </a:t>
@@ -3763,7 +4885,7 @@
         </p:nvSpPr>
         <p:spPr>
           <a:xfrm>
-            <a:off x="7849226" y="5607200"/>
+            <a:off x="9377154" y="5641230"/>
             <a:ext cx="409086" cy="707886"/>
           </a:xfrm>
           <a:prstGeom prst="rect">
@@ -3804,7 +4926,7 @@
             </p:nvSpPr>
             <p:spPr>
               <a:xfrm>
-                <a:off x="6139921" y="2586706"/>
+                <a:off x="8331527" y="2724470"/>
                 <a:ext cx="914400" cy="591124"/>
               </a:xfrm>
               <a:prstGeom prst="rect">
@@ -3891,7 +5013,7 @@
             </p:nvSpPr>
             <p:spPr>
               <a:xfrm>
-                <a:off x="6139921" y="2586706"/>
+                <a:off x="8331527" y="2724470"/>
                 <a:ext cx="914400" cy="591124"/>
               </a:xfrm>
               <a:prstGeom prst="rect">
@@ -3900,7 +5022,7 @@
               <a:blipFill>
                 <a:blip r:embed="rId4"/>
                 <a:stretch>
-                  <a:fillRect b="-13043"/>
+                  <a:fillRect/>
                 </a:stretch>
               </a:blipFill>
             </p:spPr>
@@ -3909,7 +5031,7 @@
               <a:lstStyle/>
               <a:p>
                 <a:r>
-                  <a:rPr lang="en-US">
+                  <a:rPr lang="zh-CN" altLang="en-US">
                     <a:noFill/>
                   </a:rPr>
                   <a:t> </a:t>
@@ -3935,7 +5057,7 @@
             </p:nvSpPr>
             <p:spPr>
               <a:xfrm>
-                <a:off x="1690174" y="3905250"/>
+                <a:off x="4338980" y="3876687"/>
                 <a:ext cx="914400" cy="914400"/>
               </a:xfrm>
               <a:prstGeom prst="ellipse">
@@ -4041,7 +5163,7 @@
             </p:nvSpPr>
             <p:spPr>
               <a:xfrm>
-                <a:off x="1690174" y="3905250"/>
+                <a:off x="4338980" y="3876687"/>
                 <a:ext cx="914400" cy="914400"/>
               </a:xfrm>
               <a:prstGeom prst="ellipse">
@@ -4064,7 +5186,7 @@
               <a:lstStyle/>
               <a:p>
                 <a:r>
-                  <a:rPr lang="en-US">
+                  <a:rPr lang="zh-CN" altLang="en-US">
                     <a:noFill/>
                   </a:rPr>
                   <a:t> </a:t>
@@ -4090,7 +5212,7 @@
             </p:nvSpPr>
             <p:spPr>
               <a:xfrm>
-                <a:off x="1697865" y="5168581"/>
+                <a:off x="4346671" y="5140018"/>
                 <a:ext cx="914400" cy="914400"/>
               </a:xfrm>
               <a:prstGeom prst="ellipse">
@@ -4193,7 +5315,7 @@
             </p:nvSpPr>
             <p:spPr>
               <a:xfrm>
-                <a:off x="1697865" y="5168581"/>
+                <a:off x="4346671" y="5140018"/>
                 <a:ext cx="914400" cy="914400"/>
               </a:xfrm>
               <a:prstGeom prst="ellipse">
@@ -4216,7 +5338,7 @@
               <a:lstStyle/>
               <a:p>
                 <a:r>
-                  <a:rPr lang="en-US">
+                  <a:rPr lang="zh-CN" altLang="en-US">
                     <a:noFill/>
                   </a:rPr>
                   <a:t> </a:t>
@@ -4244,8 +5366,8 @@
         </p:nvCxnSpPr>
         <p:spPr>
           <a:xfrm>
-            <a:off x="2604574" y="4362450"/>
-            <a:ext cx="1329116" cy="349400"/>
+            <a:off x="5253380" y="4333887"/>
+            <a:ext cx="1211130" cy="337604"/>
           </a:xfrm>
           <a:prstGeom prst="straightConnector1">
             <a:avLst/>
@@ -4289,8 +5411,8 @@
         </p:nvCxnSpPr>
         <p:spPr>
           <a:xfrm flipV="1">
-            <a:off x="2612265" y="4855323"/>
-            <a:ext cx="1321425" cy="770458"/>
+            <a:off x="5261071" y="4878766"/>
+            <a:ext cx="1203439" cy="718452"/>
           </a:xfrm>
           <a:prstGeom prst="straightConnector1">
             <a:avLst/>
@@ -4328,14 +5450,15 @@
           </p:cNvPr>
           <p:cNvCxnSpPr>
             <a:cxnSpLocks/>
+            <a:stCxn id="6" idx="6"/>
             <a:endCxn id="5" idx="2"/>
           </p:cNvCxnSpPr>
           <p:nvPr/>
         </p:nvCxnSpPr>
         <p:spPr>
           <a:xfrm flipV="1">
-            <a:off x="5076248" y="4692801"/>
-            <a:ext cx="914400" cy="19049"/>
+            <a:off x="7607068" y="4664238"/>
+            <a:ext cx="530944" cy="7253"/>
           </a:xfrm>
           <a:prstGeom prst="straightConnector1">
             <a:avLst/>
@@ -4379,8 +5502,620 @@
         </p:nvCxnSpPr>
         <p:spPr>
           <a:xfrm>
-            <a:off x="6561927" y="3344157"/>
+            <a:off x="8709291" y="3315594"/>
             <a:ext cx="0" cy="761578"/>
+          </a:xfrm>
+          <a:prstGeom prst="straightConnector1">
+            <a:avLst/>
+          </a:prstGeom>
+          <a:ln>
+            <a:solidFill>
+              <a:schemeClr val="tx1"/>
+            </a:solidFill>
+            <a:tailEnd type="triangle"/>
+          </a:ln>
+        </p:spPr>
+        <p:style>
+          <a:lnRef idx="1">
+            <a:schemeClr val="accent1"/>
+          </a:lnRef>
+          <a:fillRef idx="0">
+            <a:schemeClr val="accent1"/>
+          </a:fillRef>
+          <a:effectRef idx="0">
+            <a:schemeClr val="accent1"/>
+          </a:effectRef>
+          <a:fontRef idx="minor">
+            <a:schemeClr val="tx1"/>
+          </a:fontRef>
+        </p:style>
+      </p:cxnSp>
+      <mc:AlternateContent xmlns:mc="http://schemas.openxmlformats.org/markup-compatibility/2006">
+        <mc:Choice xmlns:a14="http://schemas.microsoft.com/office/drawing/2010/main" Requires="a14">
+          <p:sp>
+            <p:nvSpPr>
+              <p:cNvPr id="15" name="Oval 5">
+                <a:extLst>
+                  <a:ext uri="{FF2B5EF4-FFF2-40B4-BE49-F238E27FC236}">
+                    <a16:creationId xmlns:a16="http://schemas.microsoft.com/office/drawing/2014/main" id="{6C68B6C6-3227-4B8B-BD3C-6BF8049A2460}"/>
+                  </a:ext>
+                </a:extLst>
+              </p:cNvPr>
+              <p:cNvSpPr/>
+              <p:nvPr/>
+            </p:nvSpPr>
+            <p:spPr>
+              <a:xfrm>
+                <a:off x="423444" y="4454521"/>
+                <a:ext cx="1142558" cy="1174132"/>
+              </a:xfrm>
+              <a:prstGeom prst="ellipse">
+                <a:avLst/>
+              </a:prstGeom>
+              <a:ln>
+                <a:solidFill>
+                  <a:schemeClr val="tx1"/>
+                </a:solidFill>
+              </a:ln>
+            </p:spPr>
+            <p:style>
+              <a:lnRef idx="2">
+                <a:schemeClr val="accent6"/>
+              </a:lnRef>
+              <a:fillRef idx="1">
+                <a:schemeClr val="lt1"/>
+              </a:fillRef>
+              <a:effectRef idx="0">
+                <a:schemeClr val="accent6"/>
+              </a:effectRef>
+              <a:fontRef idx="minor">
+                <a:schemeClr val="dk1"/>
+              </a:fontRef>
+            </p:style>
+            <p:txBody>
+              <a:bodyPr rtlCol="0" anchor="ctr"/>
+              <a:lstStyle/>
+              <a:p>
+                <a:pPr algn="ctr"/>
+                <a14:m>
+                  <m:oMathPara xmlns:m="http://schemas.openxmlformats.org/officeDocument/2006/math">
+                    <m:oMathParaPr>
+                      <m:jc m:val="centerGroup"/>
+                    </m:oMathParaPr>
+                    <m:oMath xmlns:m="http://schemas.openxmlformats.org/officeDocument/2006/math">
+                      <m:acc>
+                        <m:accPr>
+                          <m:chr m:val="̂"/>
+                          <m:ctrlPr>
+                            <a:rPr lang="en-US" altLang="zh-CN" sz="3000" b="0" i="1" smtClean="0">
+                              <a:solidFill>
+                                <a:sysClr val="windowText" lastClr="000000"/>
+                              </a:solidFill>
+                              <a:latin typeface="Cambria Math" panose="02040503050406030204" pitchFamily="18" charset="0"/>
+                            </a:rPr>
+                          </m:ctrlPr>
+                        </m:accPr>
+                        <m:e>
+                          <m:r>
+                            <a:rPr lang="en-US" altLang="zh-CN" sz="3000" b="0" i="1" smtClean="0">
+                              <a:solidFill>
+                                <a:sysClr val="windowText" lastClr="000000"/>
+                              </a:solidFill>
+                              <a:latin typeface="Cambria Math" panose="02040503050406030204" pitchFamily="18" charset="0"/>
+                            </a:rPr>
+                            <m:t>𝑛𝑒𝑤</m:t>
+                          </m:r>
+                          <m:r>
+                            <a:rPr lang="en-US" altLang="zh-CN" sz="3000" b="0" i="1" smtClean="0">
+                              <a:solidFill>
+                                <a:sysClr val="windowText" lastClr="000000"/>
+                              </a:solidFill>
+                              <a:latin typeface="Cambria Math" panose="02040503050406030204" pitchFamily="18" charset="0"/>
+                            </a:rPr>
+                            <m:t>_</m:t>
+                          </m:r>
+                          <m:r>
+                            <m:rPr>
+                              <m:sty m:val="p"/>
+                            </m:rPr>
+                            <a:rPr lang="el-GR" altLang="zh-CN" sz="3000" i="1">
+                              <a:solidFill>
+                                <a:sysClr val="windowText" lastClr="000000"/>
+                              </a:solidFill>
+                              <a:latin typeface="Cambria Math" panose="02040503050406030204" pitchFamily="18" charset="0"/>
+                            </a:rPr>
+                            <m:t>Ψ</m:t>
+                          </m:r>
+                        </m:e>
+                      </m:acc>
+                    </m:oMath>
+                  </m:oMathPara>
+                </a14:m>
+                <a:endParaRPr lang="en-US" sz="3000" b="0" dirty="0">
+                  <a:solidFill>
+                    <a:sysClr val="windowText" lastClr="000000"/>
+                  </a:solidFill>
+                </a:endParaRPr>
+              </a:p>
+            </p:txBody>
+          </p:sp>
+        </mc:Choice>
+        <mc:Fallback>
+          <p:sp>
+            <p:nvSpPr>
+              <p:cNvPr id="15" name="Oval 5">
+                <a:extLst>
+                  <a:ext uri="{FF2B5EF4-FFF2-40B4-BE49-F238E27FC236}">
+                    <a16:creationId xmlns:a16="http://schemas.microsoft.com/office/drawing/2014/main" id="{6C68B6C6-3227-4B8B-BD3C-6BF8049A2460}"/>
+                  </a:ext>
+                </a:extLst>
+              </p:cNvPr>
+              <p:cNvSpPr>
+                <a:spLocks noRot="1" noChangeAspect="1" noMove="1" noResize="1" noEditPoints="1" noAdjustHandles="1" noChangeArrowheads="1" noChangeShapeType="1" noTextEdit="1"/>
+              </p:cNvSpPr>
+              <p:nvPr/>
+            </p:nvSpPr>
+            <p:spPr>
+              <a:xfrm>
+                <a:off x="423444" y="4454521"/>
+                <a:ext cx="1142558" cy="1174132"/>
+              </a:xfrm>
+              <a:prstGeom prst="ellipse">
+                <a:avLst/>
+              </a:prstGeom>
+              <a:blipFill>
+                <a:blip r:embed="rId7"/>
+                <a:stretch>
+                  <a:fillRect l="-2632"/>
+                </a:stretch>
+              </a:blipFill>
+              <a:ln>
+                <a:solidFill>
+                  <a:schemeClr val="tx1"/>
+                </a:solidFill>
+              </a:ln>
+            </p:spPr>
+            <p:txBody>
+              <a:bodyPr/>
+              <a:lstStyle/>
+              <a:p>
+                <a:r>
+                  <a:rPr lang="zh-CN" altLang="en-US">
+                    <a:noFill/>
+                  </a:rPr>
+                  <a:t> </a:t>
+                </a:r>
+              </a:p>
+            </p:txBody>
+          </p:sp>
+        </mc:Fallback>
+      </mc:AlternateContent>
+      <mc:AlternateContent xmlns:mc="http://schemas.openxmlformats.org/markup-compatibility/2006">
+        <mc:Choice xmlns:a14="http://schemas.microsoft.com/office/drawing/2010/main" Requires="a14">
+          <p:sp>
+            <p:nvSpPr>
+              <p:cNvPr id="17" name="Oval 5">
+                <a:extLst>
+                  <a:ext uri="{FF2B5EF4-FFF2-40B4-BE49-F238E27FC236}">
+                    <a16:creationId xmlns:a16="http://schemas.microsoft.com/office/drawing/2014/main" id="{45297CE3-3562-4C80-9815-68AA92A5452C}"/>
+                  </a:ext>
+                </a:extLst>
+              </p:cNvPr>
+              <p:cNvSpPr/>
+              <p:nvPr/>
+            </p:nvSpPr>
+            <p:spPr>
+              <a:xfrm>
+                <a:off x="2442113" y="4424770"/>
+                <a:ext cx="1142558" cy="1174132"/>
+              </a:xfrm>
+              <a:prstGeom prst="ellipse">
+                <a:avLst/>
+              </a:prstGeom>
+              <a:ln>
+                <a:solidFill>
+                  <a:schemeClr val="tx1"/>
+                </a:solidFill>
+              </a:ln>
+            </p:spPr>
+            <p:style>
+              <a:lnRef idx="2">
+                <a:schemeClr val="accent6"/>
+              </a:lnRef>
+              <a:fillRef idx="1">
+                <a:schemeClr val="lt1"/>
+              </a:fillRef>
+              <a:effectRef idx="0">
+                <a:schemeClr val="accent6"/>
+              </a:effectRef>
+              <a:fontRef idx="minor">
+                <a:schemeClr val="dk1"/>
+              </a:fontRef>
+            </p:style>
+            <p:txBody>
+              <a:bodyPr rtlCol="0" anchor="ctr"/>
+              <a:lstStyle/>
+              <a:p>
+                <a:pPr algn="ctr"/>
+                <a14:m>
+                  <m:oMathPara xmlns:m="http://schemas.openxmlformats.org/officeDocument/2006/math">
+                    <m:oMathParaPr>
+                      <m:jc m:val="centerGroup"/>
+                    </m:oMathParaPr>
+                    <m:oMath xmlns:m="http://schemas.openxmlformats.org/officeDocument/2006/math">
+                      <m:r>
+                        <a:rPr lang="en-US" sz="3000" b="0" i="1" smtClean="0">
+                          <a:solidFill>
+                            <a:sysClr val="windowText" lastClr="000000"/>
+                          </a:solidFill>
+                          <a:latin typeface="Cambria Math" panose="02040503050406030204" pitchFamily="18" charset="0"/>
+                        </a:rPr>
+                        <m:t>𝑛𝑒𝑤</m:t>
+                      </m:r>
+                      <m:r>
+                        <a:rPr lang="en-US" sz="3000" b="0" i="1" smtClean="0">
+                          <a:solidFill>
+                            <a:sysClr val="windowText" lastClr="000000"/>
+                          </a:solidFill>
+                          <a:latin typeface="Cambria Math" panose="02040503050406030204" pitchFamily="18" charset="0"/>
+                        </a:rPr>
+                        <m:t>_</m:t>
+                      </m:r>
+                      <m:r>
+                        <m:rPr>
+                          <m:sty m:val="p"/>
+                        </m:rPr>
+                        <a:rPr lang="el-GR" sz="3000" b="0" i="1" smtClean="0">
+                          <a:solidFill>
+                            <a:sysClr val="windowText" lastClr="000000"/>
+                          </a:solidFill>
+                          <a:latin typeface="Cambria Math" panose="02040503050406030204" pitchFamily="18" charset="0"/>
+                        </a:rPr>
+                        <m:t>Ψ</m:t>
+                      </m:r>
+                    </m:oMath>
+                  </m:oMathPara>
+                </a14:m>
+                <a:endParaRPr lang="en-US" sz="3000" b="0" dirty="0">
+                  <a:solidFill>
+                    <a:sysClr val="windowText" lastClr="000000"/>
+                  </a:solidFill>
+                </a:endParaRPr>
+              </a:p>
+            </p:txBody>
+          </p:sp>
+        </mc:Choice>
+        <mc:Fallback>
+          <p:sp>
+            <p:nvSpPr>
+              <p:cNvPr id="17" name="Oval 5">
+                <a:extLst>
+                  <a:ext uri="{FF2B5EF4-FFF2-40B4-BE49-F238E27FC236}">
+                    <a16:creationId xmlns:a16="http://schemas.microsoft.com/office/drawing/2014/main" id="{45297CE3-3562-4C80-9815-68AA92A5452C}"/>
+                  </a:ext>
+                </a:extLst>
+              </p:cNvPr>
+              <p:cNvSpPr>
+                <a:spLocks noRot="1" noChangeAspect="1" noMove="1" noResize="1" noEditPoints="1" noAdjustHandles="1" noChangeArrowheads="1" noChangeShapeType="1" noTextEdit="1"/>
+              </p:cNvSpPr>
+              <p:nvPr/>
+            </p:nvSpPr>
+            <p:spPr>
+              <a:xfrm>
+                <a:off x="2442113" y="4424770"/>
+                <a:ext cx="1142558" cy="1174132"/>
+              </a:xfrm>
+              <a:prstGeom prst="ellipse">
+                <a:avLst/>
+              </a:prstGeom>
+              <a:blipFill>
+                <a:blip r:embed="rId8"/>
+                <a:stretch>
+                  <a:fillRect l="-3175"/>
+                </a:stretch>
+              </a:blipFill>
+              <a:ln>
+                <a:solidFill>
+                  <a:schemeClr val="tx1"/>
+                </a:solidFill>
+              </a:ln>
+            </p:spPr>
+            <p:txBody>
+              <a:bodyPr/>
+              <a:lstStyle/>
+              <a:p>
+                <a:r>
+                  <a:rPr lang="zh-CN" altLang="en-US">
+                    <a:noFill/>
+                  </a:rPr>
+                  <a:t> </a:t>
+                </a:r>
+              </a:p>
+            </p:txBody>
+          </p:sp>
+        </mc:Fallback>
+      </mc:AlternateContent>
+      <mc:AlternateContent xmlns:mc="http://schemas.openxmlformats.org/markup-compatibility/2006">
+        <mc:Choice xmlns:a14="http://schemas.microsoft.com/office/drawing/2010/main" Requires="a14">
+          <p:sp>
+            <p:nvSpPr>
+              <p:cNvPr id="18" name="TextBox 7">
+                <a:extLst>
+                  <a:ext uri="{FF2B5EF4-FFF2-40B4-BE49-F238E27FC236}">
+                    <a16:creationId xmlns:a16="http://schemas.microsoft.com/office/drawing/2014/main" id="{654FCAA4-6BB5-47AC-990F-8113892EC95F}"/>
+                  </a:ext>
+                </a:extLst>
+              </p:cNvPr>
+              <p:cNvSpPr txBox="1"/>
+              <p:nvPr/>
+            </p:nvSpPr>
+            <p:spPr>
+              <a:xfrm>
+                <a:off x="738097" y="2837876"/>
+                <a:ext cx="506665" cy="553998"/>
+              </a:xfrm>
+              <a:prstGeom prst="rect">
+                <a:avLst/>
+              </a:prstGeom>
+              <a:noFill/>
+            </p:spPr>
+            <p:txBody>
+              <a:bodyPr wrap="square" rtlCol="0">
+                <a:spAutoFit/>
+              </a:bodyPr>
+              <a:lstStyle/>
+              <a:p>
+                <a:pPr algn="ctr"/>
+                <a14:m>
+                  <m:oMathPara xmlns:m="http://schemas.openxmlformats.org/officeDocument/2006/math">
+                    <m:oMathParaPr>
+                      <m:jc m:val="centerGroup"/>
+                    </m:oMathParaPr>
+                    <m:oMath xmlns:m="http://schemas.openxmlformats.org/officeDocument/2006/math">
+                      <m:r>
+                        <a:rPr lang="en-US" sz="3000" b="0" i="1" smtClean="0">
+                          <a:solidFill>
+                            <a:sysClr val="windowText" lastClr="000000"/>
+                          </a:solidFill>
+                          <a:latin typeface="Cambria Math" panose="02040503050406030204" pitchFamily="18" charset="0"/>
+                        </a:rPr>
+                        <m:t>𝑛𝑒𝑤</m:t>
+                      </m:r>
+                      <m:r>
+                        <a:rPr lang="en-US" sz="3000" b="0" i="1" smtClean="0">
+                          <a:solidFill>
+                            <a:sysClr val="windowText" lastClr="000000"/>
+                          </a:solidFill>
+                          <a:latin typeface="Cambria Math" panose="02040503050406030204" pitchFamily="18" charset="0"/>
+                        </a:rPr>
+                        <m:t>_</m:t>
+                      </m:r>
+                      <m:r>
+                        <m:rPr>
+                          <m:sty m:val="p"/>
+                        </m:rPr>
+                        <a:rPr lang="en-US" sz="3000" b="0" i="1" smtClean="0">
+                          <a:solidFill>
+                            <a:sysClr val="windowText" lastClr="000000"/>
+                          </a:solidFill>
+                          <a:latin typeface="Cambria Math" panose="02040503050406030204" pitchFamily="18" charset="0"/>
+                        </a:rPr>
+                        <m:t>σ</m:t>
+                      </m:r>
+                    </m:oMath>
+                  </m:oMathPara>
+                </a14:m>
+                <a:endParaRPr lang="en-US" sz="3000" b="0" dirty="0">
+                  <a:solidFill>
+                    <a:sysClr val="windowText" lastClr="000000"/>
+                  </a:solidFill>
+                </a:endParaRPr>
+              </a:p>
+            </p:txBody>
+          </p:sp>
+        </mc:Choice>
+        <mc:Fallback>
+          <p:sp>
+            <p:nvSpPr>
+              <p:cNvPr id="18" name="TextBox 7">
+                <a:extLst>
+                  <a:ext uri="{FF2B5EF4-FFF2-40B4-BE49-F238E27FC236}">
+                    <a16:creationId xmlns:a16="http://schemas.microsoft.com/office/drawing/2014/main" id="{654FCAA4-6BB5-47AC-990F-8113892EC95F}"/>
+                  </a:ext>
+                </a:extLst>
+              </p:cNvPr>
+              <p:cNvSpPr txBox="1">
+                <a:spLocks noRot="1" noChangeAspect="1" noMove="1" noResize="1" noEditPoints="1" noAdjustHandles="1" noChangeArrowheads="1" noChangeShapeType="1" noTextEdit="1"/>
+              </p:cNvSpPr>
+              <p:nvPr/>
+            </p:nvSpPr>
+            <p:spPr>
+              <a:xfrm>
+                <a:off x="738097" y="2837876"/>
+                <a:ext cx="506665" cy="553998"/>
+              </a:xfrm>
+              <a:prstGeom prst="rect">
+                <a:avLst/>
+              </a:prstGeom>
+              <a:blipFill>
+                <a:blip r:embed="rId9"/>
+                <a:stretch>
+                  <a:fillRect l="-62651" r="-45783"/>
+                </a:stretch>
+              </a:blipFill>
+            </p:spPr>
+            <p:txBody>
+              <a:bodyPr/>
+              <a:lstStyle/>
+              <a:p>
+                <a:r>
+                  <a:rPr lang="zh-CN" altLang="en-US">
+                    <a:noFill/>
+                  </a:rPr>
+                  <a:t> </a:t>
+                </a:r>
+              </a:p>
+            </p:txBody>
+          </p:sp>
+        </mc:Fallback>
+      </mc:AlternateContent>
+      <p:cxnSp>
+        <p:nvCxnSpPr>
+          <p:cNvPr id="19" name="Straight Arrow Connector 22">
+            <a:extLst>
+              <a:ext uri="{FF2B5EF4-FFF2-40B4-BE49-F238E27FC236}">
+                <a16:creationId xmlns:a16="http://schemas.microsoft.com/office/drawing/2014/main" id="{ED308302-16EA-41F3-B4C7-C07743DEC8E0}"/>
+              </a:ext>
+            </a:extLst>
+          </p:cNvPr>
+          <p:cNvCxnSpPr>
+            <a:cxnSpLocks/>
+            <a:stCxn id="18" idx="2"/>
+            <a:endCxn id="15" idx="0"/>
+          </p:cNvCxnSpPr>
+          <p:nvPr/>
+        </p:nvCxnSpPr>
+        <p:spPr>
+          <a:xfrm>
+            <a:off x="991430" y="3391874"/>
+            <a:ext cx="3293" cy="1062647"/>
+          </a:xfrm>
+          <a:prstGeom prst="straightConnector1">
+            <a:avLst/>
+          </a:prstGeom>
+          <a:ln>
+            <a:solidFill>
+              <a:schemeClr val="tx1"/>
+            </a:solidFill>
+            <a:tailEnd type="triangle"/>
+          </a:ln>
+        </p:spPr>
+        <p:style>
+          <a:lnRef idx="1">
+            <a:schemeClr val="accent1"/>
+          </a:lnRef>
+          <a:fillRef idx="0">
+            <a:schemeClr val="accent1"/>
+          </a:fillRef>
+          <a:effectRef idx="0">
+            <a:schemeClr val="accent1"/>
+          </a:effectRef>
+          <a:fontRef idx="minor">
+            <a:schemeClr val="tx1"/>
+          </a:fontRef>
+        </p:style>
+      </p:cxnSp>
+      <p:cxnSp>
+        <p:nvCxnSpPr>
+          <p:cNvPr id="22" name="Straight Arrow Connector 22">
+            <a:extLst>
+              <a:ext uri="{FF2B5EF4-FFF2-40B4-BE49-F238E27FC236}">
+                <a16:creationId xmlns:a16="http://schemas.microsoft.com/office/drawing/2014/main" id="{4A702612-FD03-490C-B750-1D0D41870939}"/>
+              </a:ext>
+            </a:extLst>
+          </p:cNvPr>
+          <p:cNvCxnSpPr>
+            <a:cxnSpLocks/>
+            <a:stCxn id="17" idx="2"/>
+            <a:endCxn id="15" idx="6"/>
+          </p:cNvCxnSpPr>
+          <p:nvPr/>
+        </p:nvCxnSpPr>
+        <p:spPr>
+          <a:xfrm flipH="1">
+            <a:off x="1566002" y="5011836"/>
+            <a:ext cx="876111" cy="29751"/>
+          </a:xfrm>
+          <a:prstGeom prst="straightConnector1">
+            <a:avLst/>
+          </a:prstGeom>
+          <a:ln>
+            <a:solidFill>
+              <a:schemeClr val="tx1"/>
+            </a:solidFill>
+            <a:tailEnd type="triangle"/>
+          </a:ln>
+        </p:spPr>
+        <p:style>
+          <a:lnRef idx="1">
+            <a:schemeClr val="accent1"/>
+          </a:lnRef>
+          <a:fillRef idx="0">
+            <a:schemeClr val="accent1"/>
+          </a:fillRef>
+          <a:effectRef idx="0">
+            <a:schemeClr val="accent1"/>
+          </a:effectRef>
+          <a:fontRef idx="minor">
+            <a:schemeClr val="tx1"/>
+          </a:fontRef>
+        </p:style>
+      </p:cxnSp>
+      <p:cxnSp>
+        <p:nvCxnSpPr>
+          <p:cNvPr id="25" name="Straight Arrow Connector 11">
+            <a:extLst>
+              <a:ext uri="{FF2B5EF4-FFF2-40B4-BE49-F238E27FC236}">
+                <a16:creationId xmlns:a16="http://schemas.microsoft.com/office/drawing/2014/main" id="{AA726602-95FC-4BF1-BF09-33F300D55CFA}"/>
+              </a:ext>
+            </a:extLst>
+          </p:cNvPr>
+          <p:cNvCxnSpPr>
+            <a:cxnSpLocks/>
+            <a:stCxn id="9" idx="2"/>
+          </p:cNvCxnSpPr>
+          <p:nvPr/>
+        </p:nvCxnSpPr>
+        <p:spPr>
+          <a:xfrm flipH="1">
+            <a:off x="3516328" y="4333887"/>
+            <a:ext cx="822652" cy="457200"/>
+          </a:xfrm>
+          <a:prstGeom prst="straightConnector1">
+            <a:avLst/>
+          </a:prstGeom>
+          <a:ln>
+            <a:solidFill>
+              <a:schemeClr val="tx1"/>
+            </a:solidFill>
+            <a:tailEnd type="triangle"/>
+          </a:ln>
+        </p:spPr>
+        <p:style>
+          <a:lnRef idx="1">
+            <a:schemeClr val="accent1"/>
+          </a:lnRef>
+          <a:fillRef idx="0">
+            <a:schemeClr val="accent1"/>
+          </a:fillRef>
+          <a:effectRef idx="0">
+            <a:schemeClr val="accent1"/>
+          </a:effectRef>
+          <a:fontRef idx="minor">
+            <a:schemeClr val="tx1"/>
+          </a:fontRef>
+        </p:style>
+      </p:cxnSp>
+      <p:cxnSp>
+        <p:nvCxnSpPr>
+          <p:cNvPr id="30" name="Straight Arrow Connector 11">
+            <a:extLst>
+              <a:ext uri="{FF2B5EF4-FFF2-40B4-BE49-F238E27FC236}">
+                <a16:creationId xmlns:a16="http://schemas.microsoft.com/office/drawing/2014/main" id="{450B428F-D18C-472D-A451-3CB01329DCFA}"/>
+              </a:ext>
+            </a:extLst>
+          </p:cNvPr>
+          <p:cNvCxnSpPr>
+            <a:cxnSpLocks/>
+            <a:stCxn id="10" idx="2"/>
+            <a:endCxn id="17" idx="6"/>
+          </p:cNvCxnSpPr>
+          <p:nvPr/>
+        </p:nvCxnSpPr>
+        <p:spPr>
+          <a:xfrm flipH="1" flipV="1">
+            <a:off x="3584671" y="5011836"/>
+            <a:ext cx="762000" cy="585382"/>
           </a:xfrm>
           <a:prstGeom prst="straightConnector1">
             <a:avLst/>
@@ -4410,7 +6145,7 @@
     </p:spTree>
     <p:extLst>
       <p:ext uri="{BB962C8B-B14F-4D97-AF65-F5344CB8AC3E}">
-        <p14:creationId xmlns:p14="http://schemas.microsoft.com/office/powerpoint/2010/main" val="1589887399"/>
+        <p14:creationId xmlns:p14="http://schemas.microsoft.com/office/powerpoint/2010/main" val="3034081921"/>
       </p:ext>
     </p:extLst>
   </p:cSld>
